--- a/Test_github.pptx
+++ b/Test_github.pptx
@@ -6,6 +6,7 @@
   </p:sldMasterIdLst>
   <p:sldIdLst>
     <p:sldId id="256" r:id="rId2"/>
+    <p:sldId id="257" r:id="rId3"/>
   </p:sldIdLst>
   <p:sldSz cx="12192000" cy="6858000"/>
   <p:notesSz cx="6858000" cy="9144000"/>
@@ -104,6 +105,11 @@
       </a:defRPr>
     </a:lvl9pPr>
   </p:defaultTextStyle>
+  <p:extLst>
+    <p:ext uri="{EFAFB233-063F-42B5-8137-9DF3F51BA10A}">
+      <p15:sldGuideLst xmlns:p15="http://schemas.microsoft.com/office/powerpoint/2012/main"/>
+    </p:ext>
+  </p:extLst>
 </p:presentation>
 </file>
 
@@ -149,10 +155,9 @@
           </a:lstStyle>
           <a:p>
             <a:r>
-              <a:rPr lang="en-US" smtClean="0"/>
+              <a:rPr lang="en-US"/>
               <a:t>Click to edit Master title style</a:t>
             </a:r>
-            <a:endParaRPr lang="en-US"/>
           </a:p>
         </p:txBody>
       </p:sp>
@@ -214,10 +219,9 @@
           </a:lstStyle>
           <a:p>
             <a:r>
-              <a:rPr lang="en-US" smtClean="0"/>
+              <a:rPr lang="en-US"/>
               <a:t>Click to edit Master subtitle style</a:t>
             </a:r>
-            <a:endParaRPr lang="en-US"/>
           </a:p>
         </p:txBody>
       </p:sp>
@@ -280,7 +284,7 @@
           <a:p>
             <a:fld id="{B321AB95-0F2E-462F-86E0-6A4B3B7544C1}" type="slidenum">
               <a:rPr lang="en-US" smtClean="0"/>
-              <a:t>‹#›</a:t>
+              <a:t>‹Nº›</a:t>
             </a:fld>
             <a:endParaRPr lang="en-US"/>
           </a:p>
@@ -332,10 +336,9 @@
           <a:lstStyle/>
           <a:p>
             <a:r>
-              <a:rPr lang="en-US" smtClean="0"/>
+              <a:rPr lang="en-US"/>
               <a:t>Click to edit Master title style</a:t>
             </a:r>
-            <a:endParaRPr lang="en-US"/>
           </a:p>
         </p:txBody>
       </p:sp>
@@ -356,38 +359,37 @@
           <a:p>
             <a:pPr lvl="0"/>
             <a:r>
-              <a:rPr lang="en-US" smtClean="0"/>
+              <a:rPr lang="en-US"/>
               <a:t>Edit Master text styles</a:t>
             </a:r>
           </a:p>
           <a:p>
             <a:pPr lvl="1"/>
             <a:r>
-              <a:rPr lang="en-US" smtClean="0"/>
+              <a:rPr lang="en-US"/>
               <a:t>Second level</a:t>
             </a:r>
           </a:p>
           <a:p>
             <a:pPr lvl="2"/>
             <a:r>
-              <a:rPr lang="en-US" smtClean="0"/>
+              <a:rPr lang="en-US"/>
               <a:t>Third level</a:t>
             </a:r>
           </a:p>
           <a:p>
             <a:pPr lvl="3"/>
             <a:r>
-              <a:rPr lang="en-US" smtClean="0"/>
+              <a:rPr lang="en-US"/>
               <a:t>Fourth level</a:t>
             </a:r>
           </a:p>
           <a:p>
             <a:pPr lvl="4"/>
             <a:r>
-              <a:rPr lang="en-US" smtClean="0"/>
+              <a:rPr lang="en-US"/>
               <a:t>Fifth level</a:t>
             </a:r>
-            <a:endParaRPr lang="en-US"/>
           </a:p>
         </p:txBody>
       </p:sp>
@@ -450,7 +452,7 @@
           <a:p>
             <a:fld id="{B321AB95-0F2E-462F-86E0-6A4B3B7544C1}" type="slidenum">
               <a:rPr lang="en-US" smtClean="0"/>
-              <a:t>‹#›</a:t>
+              <a:t>‹Nº›</a:t>
             </a:fld>
             <a:endParaRPr lang="en-US"/>
           </a:p>
@@ -507,10 +509,9 @@
           <a:lstStyle/>
           <a:p>
             <a:r>
-              <a:rPr lang="en-US" smtClean="0"/>
+              <a:rPr lang="en-US"/>
               <a:t>Click to edit Master title style</a:t>
             </a:r>
-            <a:endParaRPr lang="en-US"/>
           </a:p>
         </p:txBody>
       </p:sp>
@@ -536,38 +537,37 @@
           <a:p>
             <a:pPr lvl="0"/>
             <a:r>
-              <a:rPr lang="en-US" smtClean="0"/>
+              <a:rPr lang="en-US"/>
               <a:t>Edit Master text styles</a:t>
             </a:r>
           </a:p>
           <a:p>
             <a:pPr lvl="1"/>
             <a:r>
-              <a:rPr lang="en-US" smtClean="0"/>
+              <a:rPr lang="en-US"/>
               <a:t>Second level</a:t>
             </a:r>
           </a:p>
           <a:p>
             <a:pPr lvl="2"/>
             <a:r>
-              <a:rPr lang="en-US" smtClean="0"/>
+              <a:rPr lang="en-US"/>
               <a:t>Third level</a:t>
             </a:r>
           </a:p>
           <a:p>
             <a:pPr lvl="3"/>
             <a:r>
-              <a:rPr lang="en-US" smtClean="0"/>
+              <a:rPr lang="en-US"/>
               <a:t>Fourth level</a:t>
             </a:r>
           </a:p>
           <a:p>
             <a:pPr lvl="4"/>
             <a:r>
-              <a:rPr lang="en-US" smtClean="0"/>
+              <a:rPr lang="en-US"/>
               <a:t>Fifth level</a:t>
             </a:r>
-            <a:endParaRPr lang="en-US"/>
           </a:p>
         </p:txBody>
       </p:sp>
@@ -630,7 +630,7 @@
           <a:p>
             <a:fld id="{B321AB95-0F2E-462F-86E0-6A4B3B7544C1}" type="slidenum">
               <a:rPr lang="en-US" smtClean="0"/>
-              <a:t>‹#›</a:t>
+              <a:t>‹Nº›</a:t>
             </a:fld>
             <a:endParaRPr lang="en-US"/>
           </a:p>
@@ -682,10 +682,9 @@
           <a:lstStyle/>
           <a:p>
             <a:r>
-              <a:rPr lang="en-US" smtClean="0"/>
+              <a:rPr lang="en-US"/>
               <a:t>Click to edit Master title style</a:t>
             </a:r>
-            <a:endParaRPr lang="en-US"/>
           </a:p>
         </p:txBody>
       </p:sp>
@@ -706,38 +705,37 @@
           <a:p>
             <a:pPr lvl="0"/>
             <a:r>
-              <a:rPr lang="en-US" smtClean="0"/>
+              <a:rPr lang="en-US"/>
               <a:t>Edit Master text styles</a:t>
             </a:r>
           </a:p>
           <a:p>
             <a:pPr lvl="1"/>
             <a:r>
-              <a:rPr lang="en-US" smtClean="0"/>
+              <a:rPr lang="en-US"/>
               <a:t>Second level</a:t>
             </a:r>
           </a:p>
           <a:p>
             <a:pPr lvl="2"/>
             <a:r>
-              <a:rPr lang="en-US" smtClean="0"/>
+              <a:rPr lang="en-US"/>
               <a:t>Third level</a:t>
             </a:r>
           </a:p>
           <a:p>
             <a:pPr lvl="3"/>
             <a:r>
-              <a:rPr lang="en-US" smtClean="0"/>
+              <a:rPr lang="en-US"/>
               <a:t>Fourth level</a:t>
             </a:r>
           </a:p>
           <a:p>
             <a:pPr lvl="4"/>
             <a:r>
-              <a:rPr lang="en-US" smtClean="0"/>
+              <a:rPr lang="en-US"/>
               <a:t>Fifth level</a:t>
             </a:r>
-            <a:endParaRPr lang="en-US"/>
           </a:p>
         </p:txBody>
       </p:sp>
@@ -800,7 +798,7 @@
           <a:p>
             <a:fld id="{B321AB95-0F2E-462F-86E0-6A4B3B7544C1}" type="slidenum">
               <a:rPr lang="en-US" smtClean="0"/>
-              <a:t>‹#›</a:t>
+              <a:t>‹Nº›</a:t>
             </a:fld>
             <a:endParaRPr lang="en-US"/>
           </a:p>
@@ -861,10 +859,9 @@
           </a:lstStyle>
           <a:p>
             <a:r>
-              <a:rPr lang="en-US" smtClean="0"/>
+              <a:rPr lang="en-US"/>
               <a:t>Click to edit Master title style</a:t>
             </a:r>
-            <a:endParaRPr lang="en-US"/>
           </a:p>
         </p:txBody>
       </p:sp>
@@ -981,7 +978,7 @@
           <a:p>
             <a:pPr lvl="0"/>
             <a:r>
-              <a:rPr lang="en-US" smtClean="0"/>
+              <a:rPr lang="en-US"/>
               <a:t>Edit Master text styles</a:t>
             </a:r>
           </a:p>
@@ -1046,7 +1043,7 @@
           <a:p>
             <a:fld id="{B321AB95-0F2E-462F-86E0-6A4B3B7544C1}" type="slidenum">
               <a:rPr lang="en-US" smtClean="0"/>
-              <a:t>‹#›</a:t>
+              <a:t>‹Nº›</a:t>
             </a:fld>
             <a:endParaRPr lang="en-US"/>
           </a:p>
@@ -1098,10 +1095,9 @@
           <a:lstStyle/>
           <a:p>
             <a:r>
-              <a:rPr lang="en-US" smtClean="0"/>
+              <a:rPr lang="en-US"/>
               <a:t>Click to edit Master title style</a:t>
             </a:r>
-            <a:endParaRPr lang="en-US"/>
           </a:p>
         </p:txBody>
       </p:sp>
@@ -1127,38 +1123,37 @@
           <a:p>
             <a:pPr lvl="0"/>
             <a:r>
-              <a:rPr lang="en-US" smtClean="0"/>
+              <a:rPr lang="en-US"/>
               <a:t>Edit Master text styles</a:t>
             </a:r>
           </a:p>
           <a:p>
             <a:pPr lvl="1"/>
             <a:r>
-              <a:rPr lang="en-US" smtClean="0"/>
+              <a:rPr lang="en-US"/>
               <a:t>Second level</a:t>
             </a:r>
           </a:p>
           <a:p>
             <a:pPr lvl="2"/>
             <a:r>
-              <a:rPr lang="en-US" smtClean="0"/>
+              <a:rPr lang="en-US"/>
               <a:t>Third level</a:t>
             </a:r>
           </a:p>
           <a:p>
             <a:pPr lvl="3"/>
             <a:r>
-              <a:rPr lang="en-US" smtClean="0"/>
+              <a:rPr lang="en-US"/>
               <a:t>Fourth level</a:t>
             </a:r>
           </a:p>
           <a:p>
             <a:pPr lvl="4"/>
             <a:r>
-              <a:rPr lang="en-US" smtClean="0"/>
+              <a:rPr lang="en-US"/>
               <a:t>Fifth level</a:t>
             </a:r>
-            <a:endParaRPr lang="en-US"/>
           </a:p>
         </p:txBody>
       </p:sp>
@@ -1184,38 +1179,37 @@
           <a:p>
             <a:pPr lvl="0"/>
             <a:r>
-              <a:rPr lang="en-US" smtClean="0"/>
+              <a:rPr lang="en-US"/>
               <a:t>Edit Master text styles</a:t>
             </a:r>
           </a:p>
           <a:p>
             <a:pPr lvl="1"/>
             <a:r>
-              <a:rPr lang="en-US" smtClean="0"/>
+              <a:rPr lang="en-US"/>
               <a:t>Second level</a:t>
             </a:r>
           </a:p>
           <a:p>
             <a:pPr lvl="2"/>
             <a:r>
-              <a:rPr lang="en-US" smtClean="0"/>
+              <a:rPr lang="en-US"/>
               <a:t>Third level</a:t>
             </a:r>
           </a:p>
           <a:p>
             <a:pPr lvl="3"/>
             <a:r>
-              <a:rPr lang="en-US" smtClean="0"/>
+              <a:rPr lang="en-US"/>
               <a:t>Fourth level</a:t>
             </a:r>
           </a:p>
           <a:p>
             <a:pPr lvl="4"/>
             <a:r>
-              <a:rPr lang="en-US" smtClean="0"/>
+              <a:rPr lang="en-US"/>
               <a:t>Fifth level</a:t>
             </a:r>
-            <a:endParaRPr lang="en-US"/>
           </a:p>
         </p:txBody>
       </p:sp>
@@ -1278,7 +1272,7 @@
           <a:p>
             <a:fld id="{B321AB95-0F2E-462F-86E0-6A4B3B7544C1}" type="slidenum">
               <a:rPr lang="en-US" smtClean="0"/>
-              <a:t>‹#›</a:t>
+              <a:t>‹Nº›</a:t>
             </a:fld>
             <a:endParaRPr lang="en-US"/>
           </a:p>
@@ -1335,10 +1329,9 @@
           <a:lstStyle/>
           <a:p>
             <a:r>
-              <a:rPr lang="en-US" smtClean="0"/>
+              <a:rPr lang="en-US"/>
               <a:t>Click to edit Master title style</a:t>
             </a:r>
-            <a:endParaRPr lang="en-US"/>
           </a:p>
         </p:txBody>
       </p:sp>
@@ -1401,7 +1394,7 @@
           <a:p>
             <a:pPr lvl="0"/>
             <a:r>
-              <a:rPr lang="en-US" smtClean="0"/>
+              <a:rPr lang="en-US"/>
               <a:t>Edit Master text styles</a:t>
             </a:r>
           </a:p>
@@ -1429,38 +1422,37 @@
           <a:p>
             <a:pPr lvl="0"/>
             <a:r>
-              <a:rPr lang="en-US" smtClean="0"/>
+              <a:rPr lang="en-US"/>
               <a:t>Edit Master text styles</a:t>
             </a:r>
           </a:p>
           <a:p>
             <a:pPr lvl="1"/>
             <a:r>
-              <a:rPr lang="en-US" smtClean="0"/>
+              <a:rPr lang="en-US"/>
               <a:t>Second level</a:t>
             </a:r>
           </a:p>
           <a:p>
             <a:pPr lvl="2"/>
             <a:r>
-              <a:rPr lang="en-US" smtClean="0"/>
+              <a:rPr lang="en-US"/>
               <a:t>Third level</a:t>
             </a:r>
           </a:p>
           <a:p>
             <a:pPr lvl="3"/>
             <a:r>
-              <a:rPr lang="en-US" smtClean="0"/>
+              <a:rPr lang="en-US"/>
               <a:t>Fourth level</a:t>
             </a:r>
           </a:p>
           <a:p>
             <a:pPr lvl="4"/>
             <a:r>
-              <a:rPr lang="en-US" smtClean="0"/>
+              <a:rPr lang="en-US"/>
               <a:t>Fifth level</a:t>
             </a:r>
-            <a:endParaRPr lang="en-US"/>
           </a:p>
         </p:txBody>
       </p:sp>
@@ -1523,7 +1515,7 @@
           <a:p>
             <a:pPr lvl="0"/>
             <a:r>
-              <a:rPr lang="en-US" smtClean="0"/>
+              <a:rPr lang="en-US"/>
               <a:t>Edit Master text styles</a:t>
             </a:r>
           </a:p>
@@ -1551,38 +1543,37 @@
           <a:p>
             <a:pPr lvl="0"/>
             <a:r>
-              <a:rPr lang="en-US" smtClean="0"/>
+              <a:rPr lang="en-US"/>
               <a:t>Edit Master text styles</a:t>
             </a:r>
           </a:p>
           <a:p>
             <a:pPr lvl="1"/>
             <a:r>
-              <a:rPr lang="en-US" smtClean="0"/>
+              <a:rPr lang="en-US"/>
               <a:t>Second level</a:t>
             </a:r>
           </a:p>
           <a:p>
             <a:pPr lvl="2"/>
             <a:r>
-              <a:rPr lang="en-US" smtClean="0"/>
+              <a:rPr lang="en-US"/>
               <a:t>Third level</a:t>
             </a:r>
           </a:p>
           <a:p>
             <a:pPr lvl="3"/>
             <a:r>
-              <a:rPr lang="en-US" smtClean="0"/>
+              <a:rPr lang="en-US"/>
               <a:t>Fourth level</a:t>
             </a:r>
           </a:p>
           <a:p>
             <a:pPr lvl="4"/>
             <a:r>
-              <a:rPr lang="en-US" smtClean="0"/>
+              <a:rPr lang="en-US"/>
               <a:t>Fifth level</a:t>
             </a:r>
-            <a:endParaRPr lang="en-US"/>
           </a:p>
         </p:txBody>
       </p:sp>
@@ -1645,7 +1636,7 @@
           <a:p>
             <a:fld id="{B321AB95-0F2E-462F-86E0-6A4B3B7544C1}" type="slidenum">
               <a:rPr lang="en-US" smtClean="0"/>
-              <a:t>‹#›</a:t>
+              <a:t>‹Nº›</a:t>
             </a:fld>
             <a:endParaRPr lang="en-US"/>
           </a:p>
@@ -1697,10 +1688,9 @@
           <a:lstStyle/>
           <a:p>
             <a:r>
-              <a:rPr lang="en-US" smtClean="0"/>
+              <a:rPr lang="en-US"/>
               <a:t>Click to edit Master title style</a:t>
             </a:r>
-            <a:endParaRPr lang="en-US"/>
           </a:p>
         </p:txBody>
       </p:sp>
@@ -1763,7 +1753,7 @@
           <a:p>
             <a:fld id="{B321AB95-0F2E-462F-86E0-6A4B3B7544C1}" type="slidenum">
               <a:rPr lang="en-US" smtClean="0"/>
-              <a:t>‹#›</a:t>
+              <a:t>‹Nº›</a:t>
             </a:fld>
             <a:endParaRPr lang="en-US"/>
           </a:p>
@@ -1858,7 +1848,7 @@
           <a:p>
             <a:fld id="{B321AB95-0F2E-462F-86E0-6A4B3B7544C1}" type="slidenum">
               <a:rPr lang="en-US" smtClean="0"/>
-              <a:t>‹#›</a:t>
+              <a:t>‹Nº›</a:t>
             </a:fld>
             <a:endParaRPr lang="en-US"/>
           </a:p>
@@ -1919,10 +1909,9 @@
           </a:lstStyle>
           <a:p>
             <a:r>
-              <a:rPr lang="en-US" smtClean="0"/>
+              <a:rPr lang="en-US"/>
               <a:t>Click to edit Master title style</a:t>
             </a:r>
-            <a:endParaRPr lang="en-US"/>
           </a:p>
         </p:txBody>
       </p:sp>
@@ -1976,38 +1965,37 @@
           <a:p>
             <a:pPr lvl="0"/>
             <a:r>
-              <a:rPr lang="en-US" smtClean="0"/>
+              <a:rPr lang="en-US"/>
               <a:t>Edit Master text styles</a:t>
             </a:r>
           </a:p>
           <a:p>
             <a:pPr lvl="1"/>
             <a:r>
-              <a:rPr lang="en-US" smtClean="0"/>
+              <a:rPr lang="en-US"/>
               <a:t>Second level</a:t>
             </a:r>
           </a:p>
           <a:p>
             <a:pPr lvl="2"/>
             <a:r>
-              <a:rPr lang="en-US" smtClean="0"/>
+              <a:rPr lang="en-US"/>
               <a:t>Third level</a:t>
             </a:r>
           </a:p>
           <a:p>
             <a:pPr lvl="3"/>
             <a:r>
-              <a:rPr lang="en-US" smtClean="0"/>
+              <a:rPr lang="en-US"/>
               <a:t>Fourth level</a:t>
             </a:r>
           </a:p>
           <a:p>
             <a:pPr lvl="4"/>
             <a:r>
-              <a:rPr lang="en-US" smtClean="0"/>
+              <a:rPr lang="en-US"/>
               <a:t>Fifth level</a:t>
             </a:r>
-            <a:endParaRPr lang="en-US"/>
           </a:p>
         </p:txBody>
       </p:sp>
@@ -2070,7 +2058,7 @@
           <a:p>
             <a:pPr lvl="0"/>
             <a:r>
-              <a:rPr lang="en-US" smtClean="0"/>
+              <a:rPr lang="en-US"/>
               <a:t>Edit Master text styles</a:t>
             </a:r>
           </a:p>
@@ -2135,7 +2123,7 @@
           <a:p>
             <a:fld id="{B321AB95-0F2E-462F-86E0-6A4B3B7544C1}" type="slidenum">
               <a:rPr lang="en-US" smtClean="0"/>
-              <a:t>‹#›</a:t>
+              <a:t>‹Nº›</a:t>
             </a:fld>
             <a:endParaRPr lang="en-US"/>
           </a:p>
@@ -2196,10 +2184,9 @@
           </a:lstStyle>
           <a:p>
             <a:r>
-              <a:rPr lang="en-US" smtClean="0"/>
+              <a:rPr lang="en-US"/>
               <a:t>Click to edit Master title style</a:t>
             </a:r>
-            <a:endParaRPr lang="en-US"/>
           </a:p>
         </p:txBody>
       </p:sp>
@@ -2323,7 +2310,7 @@
           <a:p>
             <a:pPr lvl="0"/>
             <a:r>
-              <a:rPr lang="en-US" smtClean="0"/>
+              <a:rPr lang="en-US"/>
               <a:t>Edit Master text styles</a:t>
             </a:r>
           </a:p>
@@ -2388,7 +2375,7 @@
           <a:p>
             <a:fld id="{B321AB95-0F2E-462F-86E0-6A4B3B7544C1}" type="slidenum">
               <a:rPr lang="en-US" smtClean="0"/>
-              <a:t>‹#›</a:t>
+              <a:t>‹Nº›</a:t>
             </a:fld>
             <a:endParaRPr lang="en-US"/>
           </a:p>
@@ -2455,10 +2442,9 @@
           <a:lstStyle/>
           <a:p>
             <a:r>
-              <a:rPr lang="en-US" smtClean="0"/>
+              <a:rPr lang="en-US"/>
               <a:t>Click to edit Master title style</a:t>
             </a:r>
-            <a:endParaRPr lang="en-US"/>
           </a:p>
         </p:txBody>
       </p:sp>
@@ -2489,38 +2475,37 @@
           <a:p>
             <a:pPr lvl="0"/>
             <a:r>
-              <a:rPr lang="en-US" smtClean="0"/>
+              <a:rPr lang="en-US"/>
               <a:t>Edit Master text styles</a:t>
             </a:r>
           </a:p>
           <a:p>
             <a:pPr lvl="1"/>
             <a:r>
-              <a:rPr lang="en-US" smtClean="0"/>
+              <a:rPr lang="en-US"/>
               <a:t>Second level</a:t>
             </a:r>
           </a:p>
           <a:p>
             <a:pPr lvl="2"/>
             <a:r>
-              <a:rPr lang="en-US" smtClean="0"/>
+              <a:rPr lang="en-US"/>
               <a:t>Third level</a:t>
             </a:r>
           </a:p>
           <a:p>
             <a:pPr lvl="3"/>
             <a:r>
-              <a:rPr lang="en-US" smtClean="0"/>
+              <a:rPr lang="en-US"/>
               <a:t>Fourth level</a:t>
             </a:r>
           </a:p>
           <a:p>
             <a:pPr lvl="4"/>
             <a:r>
-              <a:rPr lang="en-US" smtClean="0"/>
+              <a:rPr lang="en-US"/>
               <a:t>Fifth level</a:t>
             </a:r>
-            <a:endParaRPr lang="en-US"/>
           </a:p>
         </p:txBody>
       </p:sp>
@@ -2637,7 +2622,7 @@
           <a:p>
             <a:fld id="{B321AB95-0F2E-462F-86E0-6A4B3B7544C1}" type="slidenum">
               <a:rPr lang="en-US" smtClean="0"/>
-              <a:t>‹#›</a:t>
+              <a:t>‹Nº›</a:t>
             </a:fld>
             <a:endParaRPr lang="en-US"/>
           </a:p>
@@ -2980,7 +2965,7 @@
           <a:lstStyle/>
           <a:p>
             <a:r>
-              <a:rPr lang="es-CO" dirty="0" smtClean="0"/>
+              <a:rPr lang="es-CO" dirty="0"/>
               <a:t>GITHUB</a:t>
             </a:r>
             <a:endParaRPr lang="en-US" dirty="0"/>
@@ -3003,7 +2988,7 @@
           <a:lstStyle/>
           <a:p>
             <a:r>
-              <a:rPr lang="es-CO" smtClean="0"/>
+              <a:rPr lang="es-CO"/>
               <a:t>Silvana</a:t>
             </a:r>
             <a:endParaRPr lang="en-US"/>
@@ -3014,6 +2999,82 @@
     <p:extLst>
       <p:ext uri="{BB962C8B-B14F-4D97-AF65-F5344CB8AC3E}">
         <p14:creationId xmlns:p14="http://schemas.microsoft.com/office/powerpoint/2010/main" val="3314018096"/>
+      </p:ext>
+    </p:extLst>
+  </p:cSld>
+  <p:clrMapOvr>
+    <a:masterClrMapping/>
+  </p:clrMapOvr>
+</p:sld>
+</file>
+
+<file path=ppt/slides/slide2.xml><?xml version="1.0" encoding="utf-8"?>
+<p:sld xmlns:a="http://schemas.openxmlformats.org/drawingml/2006/main" xmlns:r="http://schemas.openxmlformats.org/officeDocument/2006/relationships" xmlns:p="http://schemas.openxmlformats.org/presentationml/2006/main">
+  <p:cSld>
+    <p:spTree>
+      <p:nvGrpSpPr>
+        <p:cNvPr id="1" name=""/>
+        <p:cNvGrpSpPr/>
+        <p:nvPr/>
+      </p:nvGrpSpPr>
+      <p:grpSpPr>
+        <a:xfrm>
+          <a:off x="0" y="0"/>
+          <a:ext cx="0" cy="0"/>
+          <a:chOff x="0" y="0"/>
+          <a:chExt cx="0" cy="0"/>
+        </a:xfrm>
+      </p:grpSpPr>
+      <p:sp>
+        <p:nvSpPr>
+          <p:cNvPr id="2" name="Title 1"/>
+          <p:cNvSpPr>
+            <a:spLocks noGrp="1"/>
+          </p:cNvSpPr>
+          <p:nvPr>
+            <p:ph type="ctrTitle"/>
+          </p:nvPr>
+        </p:nvSpPr>
+        <p:spPr/>
+        <p:txBody>
+          <a:bodyPr/>
+          <a:lstStyle/>
+          <a:p>
+            <a:r>
+              <a:rPr lang="es-CO" dirty="0"/>
+              <a:t>GITHUB</a:t>
+            </a:r>
+            <a:endParaRPr lang="en-US" dirty="0"/>
+          </a:p>
+        </p:txBody>
+      </p:sp>
+      <p:sp>
+        <p:nvSpPr>
+          <p:cNvPr id="3" name="Subtitle 2"/>
+          <p:cNvSpPr>
+            <a:spLocks noGrp="1"/>
+          </p:cNvSpPr>
+          <p:nvPr>
+            <p:ph type="subTitle" idx="1"/>
+          </p:nvPr>
+        </p:nvSpPr>
+        <p:spPr/>
+        <p:txBody>
+          <a:bodyPr/>
+          <a:lstStyle/>
+          <a:p>
+            <a:r>
+              <a:rPr lang="es-CO"/>
+              <a:t>Mauricio</a:t>
+            </a:r>
+            <a:endParaRPr lang="en-US" dirty="0"/>
+          </a:p>
+        </p:txBody>
+      </p:sp>
+    </p:spTree>
+    <p:extLst>
+      <p:ext uri="{BB962C8B-B14F-4D97-AF65-F5344CB8AC3E}">
+        <p14:creationId xmlns:p14="http://schemas.microsoft.com/office/powerpoint/2010/main" val="2568012522"/>
       </p:ext>
     </p:extLst>
   </p:cSld>
